--- a/long_term_yield.pptx
+++ b/long_term_yield.pptx
@@ -109,6 +109,11 @@
       </a:defRPr>
     </a:lvl9pPr>
   </p:defaultTextStyle>
+  <p:extLst>
+    <p:ext uri="{EFAFB233-063F-42B5-8137-9DF3F51BA10A}">
+      <p15:sldGuideLst xmlns:p15="http://schemas.microsoft.com/office/powerpoint/2012/main"/>
+    </p:ext>
+  </p:extLst>
 </p:presentation>
 </file>
 
@@ -261,7 +266,7 @@
           <a:p>
             <a:fld id="{0BD1F22A-6697-D247-A56D-8ACE3317109C}" type="datetimeFigureOut">
               <a:rPr lang="en-US" smtClean="0"/>
-              <a:t>5/21/22</a:t>
+              <a:t>5/22/22</a:t>
             </a:fld>
             <a:endParaRPr lang="en-US"/>
           </a:p>
@@ -461,7 +466,7 @@
           <a:p>
             <a:fld id="{0BD1F22A-6697-D247-A56D-8ACE3317109C}" type="datetimeFigureOut">
               <a:rPr lang="en-US" smtClean="0"/>
-              <a:t>5/21/22</a:t>
+              <a:t>5/22/22</a:t>
             </a:fld>
             <a:endParaRPr lang="en-US"/>
           </a:p>
@@ -671,7 +676,7 @@
           <a:p>
             <a:fld id="{0BD1F22A-6697-D247-A56D-8ACE3317109C}" type="datetimeFigureOut">
               <a:rPr lang="en-US" smtClean="0"/>
-              <a:t>5/21/22</a:t>
+              <a:t>5/22/22</a:t>
             </a:fld>
             <a:endParaRPr lang="en-US"/>
           </a:p>
@@ -871,7 +876,7 @@
           <a:p>
             <a:fld id="{0BD1F22A-6697-D247-A56D-8ACE3317109C}" type="datetimeFigureOut">
               <a:rPr lang="en-US" smtClean="0"/>
-              <a:t>5/21/22</a:t>
+              <a:t>5/22/22</a:t>
             </a:fld>
             <a:endParaRPr lang="en-US"/>
           </a:p>
@@ -1147,7 +1152,7 @@
           <a:p>
             <a:fld id="{0BD1F22A-6697-D247-A56D-8ACE3317109C}" type="datetimeFigureOut">
               <a:rPr lang="en-US" smtClean="0"/>
-              <a:t>5/21/22</a:t>
+              <a:t>5/22/22</a:t>
             </a:fld>
             <a:endParaRPr lang="en-US"/>
           </a:p>
@@ -1415,7 +1420,7 @@
           <a:p>
             <a:fld id="{0BD1F22A-6697-D247-A56D-8ACE3317109C}" type="datetimeFigureOut">
               <a:rPr lang="en-US" smtClean="0"/>
-              <a:t>5/21/22</a:t>
+              <a:t>5/22/22</a:t>
             </a:fld>
             <a:endParaRPr lang="en-US"/>
           </a:p>
@@ -1830,7 +1835,7 @@
           <a:p>
             <a:fld id="{0BD1F22A-6697-D247-A56D-8ACE3317109C}" type="datetimeFigureOut">
               <a:rPr lang="en-US" smtClean="0"/>
-              <a:t>5/21/22</a:t>
+              <a:t>5/22/22</a:t>
             </a:fld>
             <a:endParaRPr lang="en-US"/>
           </a:p>
@@ -1972,7 +1977,7 @@
           <a:p>
             <a:fld id="{0BD1F22A-6697-D247-A56D-8ACE3317109C}" type="datetimeFigureOut">
               <a:rPr lang="en-US" smtClean="0"/>
-              <a:t>5/21/22</a:t>
+              <a:t>5/22/22</a:t>
             </a:fld>
             <a:endParaRPr lang="en-US"/>
           </a:p>
@@ -2085,7 +2090,7 @@
           <a:p>
             <a:fld id="{0BD1F22A-6697-D247-A56D-8ACE3317109C}" type="datetimeFigureOut">
               <a:rPr lang="en-US" smtClean="0"/>
-              <a:t>5/21/22</a:t>
+              <a:t>5/22/22</a:t>
             </a:fld>
             <a:endParaRPr lang="en-US"/>
           </a:p>
@@ -2398,7 +2403,7 @@
           <a:p>
             <a:fld id="{0BD1F22A-6697-D247-A56D-8ACE3317109C}" type="datetimeFigureOut">
               <a:rPr lang="en-US" smtClean="0"/>
-              <a:t>5/21/22</a:t>
+              <a:t>5/22/22</a:t>
             </a:fld>
             <a:endParaRPr lang="en-US"/>
           </a:p>
@@ -2687,7 +2692,7 @@
           <a:p>
             <a:fld id="{0BD1F22A-6697-D247-A56D-8ACE3317109C}" type="datetimeFigureOut">
               <a:rPr lang="en-US" smtClean="0"/>
-              <a:t>5/21/22</a:t>
+              <a:t>5/22/22</a:t>
             </a:fld>
             <a:endParaRPr lang="en-US"/>
           </a:p>
@@ -2930,7 +2935,7 @@
           <a:p>
             <a:fld id="{0BD1F22A-6697-D247-A56D-8ACE3317109C}" type="datetimeFigureOut">
               <a:rPr lang="en-US" smtClean="0"/>
-              <a:t>5/21/22</a:t>
+              <a:t>5/22/22</a:t>
             </a:fld>
             <a:endParaRPr lang="en-US"/>
           </a:p>
@@ -3433,8 +3438,8 @@
           <a:chExt cx="0" cy="0"/>
         </a:xfrm>
       </p:grpSpPr>
-      <mc:AlternateContent xmlns:mc="http://schemas.openxmlformats.org/markup-compatibility/2006">
-        <mc:Choice xmlns:a14="http://schemas.microsoft.com/office/drawing/2010/main" Requires="a14">
+      <mc:AlternateContent xmlns:mc="http://schemas.openxmlformats.org/markup-compatibility/2006" xmlns:a14="http://schemas.microsoft.com/office/drawing/2010/main">
+        <mc:Choice Requires="a14">
           <p:sp>
             <p:nvSpPr>
               <p:cNvPr id="2" name="Title 1">
@@ -3522,7 +3527,7 @@
             </p:txBody>
           </p:sp>
         </mc:Choice>
-        <mc:Fallback>
+        <mc:Fallback xmlns="">
           <p:sp>
             <p:nvSpPr>
               <p:cNvPr id="2" name="Title 1">
@@ -3566,8 +3571,8 @@
           </p:sp>
         </mc:Fallback>
       </mc:AlternateContent>
-      <mc:AlternateContent xmlns:mc="http://schemas.openxmlformats.org/markup-compatibility/2006">
-        <mc:Choice xmlns:a14="http://schemas.microsoft.com/office/drawing/2010/main" Requires="a14">
+      <mc:AlternateContent xmlns:mc="http://schemas.openxmlformats.org/markup-compatibility/2006" xmlns:a14="http://schemas.microsoft.com/office/drawing/2010/main">
+        <mc:Choice Requires="a14">
           <p:sp>
             <p:nvSpPr>
               <p:cNvPr id="3" name="Content Placeholder 2">
@@ -4837,7 +4842,7 @@
             </p:txBody>
           </p:sp>
         </mc:Choice>
-        <mc:Fallback>
+        <mc:Fallback xmlns="">
           <p:sp>
             <p:nvSpPr>
               <p:cNvPr id="3" name="Content Placeholder 2">
@@ -4911,8 +4916,8 @@
           <a:chExt cx="0" cy="0"/>
         </a:xfrm>
       </p:grpSpPr>
-      <mc:AlternateContent xmlns:mc="http://schemas.openxmlformats.org/markup-compatibility/2006">
-        <mc:Choice xmlns:a14="http://schemas.microsoft.com/office/drawing/2010/main" Requires="a14">
+      <mc:AlternateContent xmlns:mc="http://schemas.openxmlformats.org/markup-compatibility/2006" xmlns:a14="http://schemas.microsoft.com/office/drawing/2010/main">
+        <mc:Choice Requires="a14">
           <p:sp>
             <p:nvSpPr>
               <p:cNvPr id="2" name="Title 1">
@@ -5000,7 +5005,7 @@
             </p:txBody>
           </p:sp>
         </mc:Choice>
-        <mc:Fallback>
+        <mc:Fallback xmlns="">
           <p:sp>
             <p:nvSpPr>
               <p:cNvPr id="2" name="Title 1">
@@ -5044,8 +5049,8 @@
           </p:sp>
         </mc:Fallback>
       </mc:AlternateContent>
-      <mc:AlternateContent xmlns:mc="http://schemas.openxmlformats.org/markup-compatibility/2006">
-        <mc:Choice xmlns:a14="http://schemas.microsoft.com/office/drawing/2010/main" Requires="a14">
+      <mc:AlternateContent xmlns:mc="http://schemas.openxmlformats.org/markup-compatibility/2006" xmlns:a14="http://schemas.microsoft.com/office/drawing/2010/main">
+        <mc:Choice Requires="a14">
           <p:sp>
             <p:nvSpPr>
               <p:cNvPr id="3" name="Content Placeholder 2">
@@ -7156,7 +7161,7 @@
             </p:txBody>
           </p:sp>
         </mc:Choice>
-        <mc:Fallback>
+        <mc:Fallback xmlns="">
           <p:sp>
             <p:nvSpPr>
               <p:cNvPr id="3" name="Content Placeholder 2">
@@ -7230,8 +7235,8 @@
           <a:chExt cx="0" cy="0"/>
         </a:xfrm>
       </p:grpSpPr>
-      <mc:AlternateContent xmlns:mc="http://schemas.openxmlformats.org/markup-compatibility/2006">
-        <mc:Choice xmlns:a14="http://schemas.microsoft.com/office/drawing/2010/main" Requires="a14">
+      <mc:AlternateContent xmlns:mc="http://schemas.openxmlformats.org/markup-compatibility/2006" xmlns:a14="http://schemas.microsoft.com/office/drawing/2010/main">
+        <mc:Choice Requires="a14">
           <p:sp>
             <p:nvSpPr>
               <p:cNvPr id="2" name="Title 1">
@@ -7319,7 +7324,7 @@
             </p:txBody>
           </p:sp>
         </mc:Choice>
-        <mc:Fallback>
+        <mc:Fallback xmlns="">
           <p:sp>
             <p:nvSpPr>
               <p:cNvPr id="2" name="Title 1">
@@ -7661,6 +7666,12 @@
                             <a:rPr lang="en-US" sz="2000" b="0" i="1" smtClean="0">
                               <a:latin typeface="Cambria Math" panose="02040503050406030204" pitchFamily="18" charset="0"/>
                             </a:rPr>
+                            <m:t>#</m:t>
+                          </m:r>
+                          <m:r>
+                            <a:rPr lang="en-US" sz="2000" b="0" i="1" smtClean="0">
+                              <a:latin typeface="Cambria Math" panose="02040503050406030204" pitchFamily="18" charset="0"/>
+                            </a:rPr>
                             <m:t>#(∗)</m:t>
                           </m:r>
                         </m:e>
@@ -8322,19 +8333,7 @@
                                         <a:rPr lang="en-US" sz="2000" b="0" i="1" smtClean="0">
                                           <a:latin typeface="Cambria Math" panose="02040503050406030204" pitchFamily="18" charset="0"/>
                                         </a:rPr>
-                                        <m:t>(</m:t>
-                                      </m:r>
-                                      <m:r>
-                                        <a:rPr lang="en-US" sz="2000" b="0" i="1" smtClean="0">
-                                          <a:latin typeface="Cambria Math" panose="02040503050406030204" pitchFamily="18" charset="0"/>
-                                        </a:rPr>
-                                        <m:t>1</m:t>
-                                      </m:r>
-                                      <m:r>
-                                        <a:rPr lang="en-US" sz="2000" b="0" i="1" smtClean="0">
-                                          <a:latin typeface="Cambria Math" panose="02040503050406030204" pitchFamily="18" charset="0"/>
-                                        </a:rPr>
-                                        <m:t>)</m:t>
+                                        <m:t>(1)</m:t>
                                       </m:r>
                                     </m:sup>
                                   </m:sSubSup>
@@ -8952,8 +8951,8 @@
           <a:chExt cx="0" cy="0"/>
         </a:xfrm>
       </p:grpSpPr>
-      <mc:AlternateContent xmlns:mc="http://schemas.openxmlformats.org/markup-compatibility/2006">
-        <mc:Choice xmlns:a14="http://schemas.microsoft.com/office/drawing/2010/main" Requires="a14">
+      <mc:AlternateContent xmlns:mc="http://schemas.openxmlformats.org/markup-compatibility/2006" xmlns:a14="http://schemas.microsoft.com/office/drawing/2010/main">
+        <mc:Choice Requires="a14">
           <p:sp>
             <p:nvSpPr>
               <p:cNvPr id="2" name="Title 1">
@@ -9041,7 +9040,7 @@
             </p:txBody>
           </p:sp>
         </mc:Choice>
-        <mc:Fallback>
+        <mc:Fallback xmlns="">
           <p:sp>
             <p:nvSpPr>
               <p:cNvPr id="2" name="Title 1">
@@ -9085,8 +9084,8 @@
           </p:sp>
         </mc:Fallback>
       </mc:AlternateContent>
-      <mc:AlternateContent xmlns:mc="http://schemas.openxmlformats.org/markup-compatibility/2006">
-        <mc:Choice xmlns:a14="http://schemas.microsoft.com/office/drawing/2010/main" Requires="a14">
+      <mc:AlternateContent xmlns:mc="http://schemas.openxmlformats.org/markup-compatibility/2006" xmlns:a14="http://schemas.microsoft.com/office/drawing/2010/main">
+        <mc:Choice Requires="a14">
           <p:sp>
             <p:nvSpPr>
               <p:cNvPr id="3" name="Content Placeholder 2">
@@ -9390,13 +9389,7 @@
                         <a:rPr lang="en-US" sz="2000" b="0" i="1" smtClean="0">
                           <a:latin typeface="Cambria Math" panose="02040503050406030204" pitchFamily="18" charset="0"/>
                         </a:rPr>
-                        <m:t>=</m:t>
-                      </m:r>
-                      <m:r>
-                        <a:rPr lang="en-US" sz="2000" b="0" i="1" smtClean="0">
-                          <a:latin typeface="Cambria Math" panose="02040503050406030204" pitchFamily="18" charset="0"/>
-                        </a:rPr>
-                        <m:t>−</m:t>
+                        <m:t>=−</m:t>
                       </m:r>
                       <m:sSub>
                         <m:sSubPr>
@@ -10824,7 +10817,7 @@
             </p:txBody>
           </p:sp>
         </mc:Choice>
-        <mc:Fallback>
+        <mc:Fallback xmlns="">
           <p:sp>
             <p:nvSpPr>
               <p:cNvPr id="3" name="Content Placeholder 2">
@@ -10898,8 +10891,8 @@
           <a:chExt cx="0" cy="0"/>
         </a:xfrm>
       </p:grpSpPr>
-      <mc:AlternateContent xmlns:mc="http://schemas.openxmlformats.org/markup-compatibility/2006">
-        <mc:Choice xmlns:a14="http://schemas.microsoft.com/office/drawing/2010/main" Requires="a14">
+      <mc:AlternateContent xmlns:mc="http://schemas.openxmlformats.org/markup-compatibility/2006" xmlns:a14="http://schemas.microsoft.com/office/drawing/2010/main">
+        <mc:Choice Requires="a14">
           <p:sp>
             <p:nvSpPr>
               <p:cNvPr id="2" name="Title 1">
@@ -10987,7 +10980,7 @@
             </p:txBody>
           </p:sp>
         </mc:Choice>
-        <mc:Fallback>
+        <mc:Fallback xmlns="">
           <p:sp>
             <p:nvSpPr>
               <p:cNvPr id="2" name="Title 1">
@@ -11031,8 +11024,8 @@
           </p:sp>
         </mc:Fallback>
       </mc:AlternateContent>
-      <mc:AlternateContent xmlns:mc="http://schemas.openxmlformats.org/markup-compatibility/2006">
-        <mc:Choice xmlns:a14="http://schemas.microsoft.com/office/drawing/2010/main" Requires="a14">
+      <mc:AlternateContent xmlns:mc="http://schemas.openxmlformats.org/markup-compatibility/2006" xmlns:a14="http://schemas.microsoft.com/office/drawing/2010/main">
+        <mc:Choice Requires="a14">
           <p:sp>
             <p:nvSpPr>
               <p:cNvPr id="3" name="Content Placeholder 2">
@@ -12430,7 +12423,7 @@
             </p:txBody>
           </p:sp>
         </mc:Choice>
-        <mc:Fallback>
+        <mc:Fallback xmlns="">
           <p:sp>
             <p:nvSpPr>
               <p:cNvPr id="3" name="Content Placeholder 2">
